--- a/docs/assets/fractals/curves/tree3-90.pptx
+++ b/docs/assets/fractals/curves/tree3-90.pptx
@@ -104,6 +104,11 @@
       </a:defRPr>
     </a:lvl9pPr>
   </p:defaultTextStyle>
+  <p:extLst>
+    <p:ext uri="{EFAFB233-063F-42B5-8137-9DF3F51BA10A}">
+      <p15:sldGuideLst xmlns:p15="http://schemas.microsoft.com/office/powerpoint/2012/main"/>
+    </p:ext>
+  </p:extLst>
 </p:presentation>
 </file>
 
@@ -238,7 +243,7 @@
           <a:p>
             <a:fld id="{464D6920-0F08-0A42-8F19-5CDB1A4413C3}" type="datetimeFigureOut">
               <a:rPr lang="en-GB" smtClean="0"/>
-              <a:t>14/10/2024</a:t>
+              <a:t>26/10/2024</a:t>
             </a:fld>
             <a:endParaRPr lang="en-GB"/>
           </a:p>
@@ -408,7 +413,7 @@
           <a:p>
             <a:fld id="{464D6920-0F08-0A42-8F19-5CDB1A4413C3}" type="datetimeFigureOut">
               <a:rPr lang="en-GB" smtClean="0"/>
-              <a:t>14/10/2024</a:t>
+              <a:t>26/10/2024</a:t>
             </a:fld>
             <a:endParaRPr lang="en-GB"/>
           </a:p>
@@ -588,7 +593,7 @@
           <a:p>
             <a:fld id="{464D6920-0F08-0A42-8F19-5CDB1A4413C3}" type="datetimeFigureOut">
               <a:rPr lang="en-GB" smtClean="0"/>
-              <a:t>14/10/2024</a:t>
+              <a:t>26/10/2024</a:t>
             </a:fld>
             <a:endParaRPr lang="en-GB"/>
           </a:p>
@@ -758,7 +763,7 @@
           <a:p>
             <a:fld id="{464D6920-0F08-0A42-8F19-5CDB1A4413C3}" type="datetimeFigureOut">
               <a:rPr lang="en-GB" smtClean="0"/>
-              <a:t>14/10/2024</a:t>
+              <a:t>26/10/2024</a:t>
             </a:fld>
             <a:endParaRPr lang="en-GB"/>
           </a:p>
@@ -1002,7 +1007,7 @@
           <a:p>
             <a:fld id="{464D6920-0F08-0A42-8F19-5CDB1A4413C3}" type="datetimeFigureOut">
               <a:rPr lang="en-GB" smtClean="0"/>
-              <a:t>14/10/2024</a:t>
+              <a:t>26/10/2024</a:t>
             </a:fld>
             <a:endParaRPr lang="en-GB"/>
           </a:p>
@@ -1234,7 +1239,7 @@
           <a:p>
             <a:fld id="{464D6920-0F08-0A42-8F19-5CDB1A4413C3}" type="datetimeFigureOut">
               <a:rPr lang="en-GB" smtClean="0"/>
-              <a:t>14/10/2024</a:t>
+              <a:t>26/10/2024</a:t>
             </a:fld>
             <a:endParaRPr lang="en-GB"/>
           </a:p>
@@ -1601,7 +1606,7 @@
           <a:p>
             <a:fld id="{464D6920-0F08-0A42-8F19-5CDB1A4413C3}" type="datetimeFigureOut">
               <a:rPr lang="en-GB" smtClean="0"/>
-              <a:t>14/10/2024</a:t>
+              <a:t>26/10/2024</a:t>
             </a:fld>
             <a:endParaRPr lang="en-GB"/>
           </a:p>
@@ -1719,7 +1724,7 @@
           <a:p>
             <a:fld id="{464D6920-0F08-0A42-8F19-5CDB1A4413C3}" type="datetimeFigureOut">
               <a:rPr lang="en-GB" smtClean="0"/>
-              <a:t>14/10/2024</a:t>
+              <a:t>26/10/2024</a:t>
             </a:fld>
             <a:endParaRPr lang="en-GB"/>
           </a:p>
@@ -1814,7 +1819,7 @@
           <a:p>
             <a:fld id="{464D6920-0F08-0A42-8F19-5CDB1A4413C3}" type="datetimeFigureOut">
               <a:rPr lang="en-GB" smtClean="0"/>
-              <a:t>14/10/2024</a:t>
+              <a:t>26/10/2024</a:t>
             </a:fld>
             <a:endParaRPr lang="en-GB"/>
           </a:p>
@@ -2091,7 +2096,7 @@
           <a:p>
             <a:fld id="{464D6920-0F08-0A42-8F19-5CDB1A4413C3}" type="datetimeFigureOut">
               <a:rPr lang="en-GB" smtClean="0"/>
-              <a:t>14/10/2024</a:t>
+              <a:t>26/10/2024</a:t>
             </a:fld>
             <a:endParaRPr lang="en-GB"/>
           </a:p>
@@ -2348,7 +2353,7 @@
           <a:p>
             <a:fld id="{464D6920-0F08-0A42-8F19-5CDB1A4413C3}" type="datetimeFigureOut">
               <a:rPr lang="en-GB" smtClean="0"/>
-              <a:t>14/10/2024</a:t>
+              <a:t>26/10/2024</a:t>
             </a:fld>
             <a:endParaRPr lang="en-GB"/>
           </a:p>
@@ -2561,7 +2566,7 @@
           <a:p>
             <a:fld id="{464D6920-0F08-0A42-8F19-5CDB1A4413C3}" type="datetimeFigureOut">
               <a:rPr lang="en-GB" smtClean="0"/>
-              <a:t>14/10/2024</a:t>
+              <a:t>26/10/2024</a:t>
             </a:fld>
             <a:endParaRPr lang="en-GB"/>
           </a:p>
@@ -3026,14 +3031,14 @@
               <p:nvPr>
                 <p:extLst>
                   <p:ext uri="{D42A27DB-BD31-4B8C-83A1-F6EECF244321}">
-                    <p14:modId xmlns:p14="http://schemas.microsoft.com/office/powerpoint/2010/main" val="841200184"/>
+                    <p14:modId xmlns:p14="http://schemas.microsoft.com/office/powerpoint/2010/main" val="825342792"/>
                   </p:ext>
                 </p:extLst>
               </p:nvPr>
             </p:nvGraphicFramePr>
             <p:xfrm>
-              <a:off x="1980000" y="360000"/>
-              <a:ext cx="3240000" cy="3240000"/>
+              <a:off x="1799313" y="0"/>
+              <a:ext cx="3600000" cy="3600000"/>
             </p:xfrm>
             <a:graphic>
               <a:graphicData uri="http://schemas.microsoft.com/office/powerpoint/2016/slidezoom">
@@ -3049,7 +3054,7 @@
                       <p166:spPr xmlns:p166="http://schemas.microsoft.com/office/powerpoint/2016/6/main">
                         <a:xfrm>
                           <a:off x="0" y="0"/>
-                          <a:ext cx="3240000" cy="3240000"/>
+                          <a:ext cx="3600000" cy="3600000"/>
                         </a:xfrm>
                         <a:prstGeom prst="rect">
                           <a:avLst/>
@@ -3091,8 +3096,8 @@
             </p:blipFill>
             <p:spPr>
               <a:xfrm>
-                <a:off x="1980000" y="360000"/>
-                <a:ext cx="3240000" cy="3240000"/>
+                <a:off x="1799313" y="0"/>
+                <a:ext cx="3600000" cy="3600000"/>
               </a:xfrm>
               <a:prstGeom prst="rect">
                 <a:avLst/>
@@ -3123,14 +3128,14 @@
               <p:nvPr>
                 <p:extLst>
                   <p:ext uri="{D42A27DB-BD31-4B8C-83A1-F6EECF244321}">
-                    <p14:modId xmlns:p14="http://schemas.microsoft.com/office/powerpoint/2010/main" val="946392526"/>
+                    <p14:modId xmlns:p14="http://schemas.microsoft.com/office/powerpoint/2010/main" val="2439822150"/>
                   </p:ext>
                 </p:extLst>
               </p:nvPr>
             </p:nvGraphicFramePr>
             <p:xfrm rot="16200000">
-              <a:off x="360000" y="1980000"/>
-              <a:ext cx="3240000" cy="3240000"/>
+              <a:off x="0" y="1800000"/>
+              <a:ext cx="3600000" cy="3600000"/>
             </p:xfrm>
             <a:graphic>
               <a:graphicData uri="http://schemas.microsoft.com/office/powerpoint/2016/slidezoom">
@@ -3146,7 +3151,7 @@
                       <p166:spPr xmlns:p166="http://schemas.microsoft.com/office/powerpoint/2016/6/main">
                         <a:xfrm rot="16200000">
                           <a:off x="0" y="0"/>
-                          <a:ext cx="3240000" cy="3240000"/>
+                          <a:ext cx="3600000" cy="3600000"/>
                         </a:xfrm>
                         <a:prstGeom prst="rect">
                           <a:avLst/>
@@ -3188,8 +3193,8 @@
             </p:blipFill>
             <p:spPr>
               <a:xfrm rot="16200000">
-                <a:off x="360000" y="1980000"/>
-                <a:ext cx="3240000" cy="3240000"/>
+                <a:off x="0" y="1800000"/>
+                <a:ext cx="3600000" cy="3600000"/>
               </a:xfrm>
               <a:prstGeom prst="rect">
                 <a:avLst/>
@@ -3220,14 +3225,14 @@
               <p:nvPr>
                 <p:extLst>
                   <p:ext uri="{D42A27DB-BD31-4B8C-83A1-F6EECF244321}">
-                    <p14:modId xmlns:p14="http://schemas.microsoft.com/office/powerpoint/2010/main" val="181050486"/>
+                    <p14:modId xmlns:p14="http://schemas.microsoft.com/office/powerpoint/2010/main" val="2843675613"/>
                   </p:ext>
                 </p:extLst>
               </p:nvPr>
             </p:nvGraphicFramePr>
             <p:xfrm rot="5400000">
-              <a:off x="3600000" y="1976549"/>
-              <a:ext cx="3240000" cy="3240000"/>
+              <a:off x="3600000" y="1800000"/>
+              <a:ext cx="3600000" cy="3600000"/>
             </p:xfrm>
             <a:graphic>
               <a:graphicData uri="http://schemas.microsoft.com/office/powerpoint/2016/slidezoom">
@@ -3243,7 +3248,7 @@
                       <p166:spPr xmlns:p166="http://schemas.microsoft.com/office/powerpoint/2016/6/main">
                         <a:xfrm rot="5400000">
                           <a:off x="0" y="0"/>
-                          <a:ext cx="3240000" cy="3240000"/>
+                          <a:ext cx="3600000" cy="3600000"/>
                         </a:xfrm>
                         <a:prstGeom prst="rect">
                           <a:avLst/>
@@ -3285,8 +3290,8 @@
             </p:blipFill>
             <p:spPr>
               <a:xfrm rot="5400000">
-                <a:off x="3600000" y="1976549"/>
-                <a:ext cx="3240000" cy="3240000"/>
+                <a:off x="3600000" y="1800000"/>
+                <a:ext cx="3600000" cy="3600000"/>
               </a:xfrm>
               <a:prstGeom prst="rect">
                 <a:avLst/>
